--- a/Poster.pptx
+++ b/Poster.pptx
@@ -5687,73 +5687,15 @@
           </a:p>
         </p:txBody>
       </p:sp>
-      <p:sp>
-        <p:nvSpPr>
-          <p:cNvPr id="72" name="Google Shape;72;p14"/>
-          <p:cNvSpPr txBox="1"/>
-          <p:nvPr/>
-        </p:nvSpPr>
-        <p:spPr>
-          <a:xfrm>
-            <a:off x="2263677" y="1244931"/>
-            <a:ext cx="11405400" cy="705900"/>
-          </a:xfrm>
-          <a:prstGeom prst="rect">
-            <a:avLst/>
-          </a:prstGeom>
-          <a:noFill/>
-          <a:ln>
-            <a:noFill/>
-          </a:ln>
-        </p:spPr>
-        <p:txBody>
-          <a:bodyPr spcFirstLastPara="1" wrap="square" lIns="174725" tIns="174725" rIns="174725" bIns="174725" anchor="t" anchorCtr="0">
-            <a:spAutoFit/>
-          </a:bodyPr>
-          <a:lstStyle/>
-          <a:p>
-            <a:pPr marL="0" lvl="0" indent="0" algn="ctr" rtl="0">
-              <a:lnSpc>
-                <a:spcPct val="115000"/>
-              </a:lnSpc>
-              <a:spcBef>
-                <a:spcPts val="0"/>
-              </a:spcBef>
-              <a:spcAft>
-                <a:spcPts val="0"/>
-              </a:spcAft>
-              <a:buClr>
-                <a:schemeClr val="dk1"/>
-              </a:buClr>
-              <a:buSzPts val="2102"/>
-              <a:buFont typeface="Arial"/>
-              <a:buNone/>
-            </a:pPr>
-            <a:r>
-              <a:rPr lang="en" sz="2293">
-                <a:solidFill>
-                  <a:schemeClr val="dk2"/>
-                </a:solidFill>
-              </a:rPr>
-              <a:t>https://github.com/CSC495-Cloud-Nine/Cloud-Nine</a:t>
-            </a:r>
-            <a:endParaRPr sz="3440">
-              <a:solidFill>
-                <a:schemeClr val="dk2"/>
-              </a:solidFill>
-            </a:endParaRPr>
-          </a:p>
-        </p:txBody>
-      </p:sp>
       <p:grpSp>
         <p:nvGrpSpPr>
-          <p:cNvPr id="73" name="Google Shape;73;p14"/>
+          <p:cNvPr id="72" name="Google Shape;72;p14"/>
           <p:cNvGrpSpPr/>
           <p:nvPr/>
         </p:nvGrpSpPr>
         <p:grpSpPr>
           <a:xfrm>
-            <a:off x="256603" y="2026808"/>
+            <a:off x="248478" y="1519758"/>
             <a:ext cx="15962249" cy="1317238"/>
             <a:chOff x="120228" y="2069292"/>
             <a:chExt cx="3888300" cy="3360300"/>
@@ -5761,7 +5703,7 @@
         </p:grpSpPr>
         <p:sp>
           <p:nvSpPr>
-            <p:cNvPr id="74" name="Google Shape;74;p14"/>
+            <p:cNvPr id="73" name="Google Shape;73;p14"/>
             <p:cNvSpPr/>
             <p:nvPr/>
           </p:nvSpPr>
@@ -5807,7 +5749,7 @@
         </p:sp>
         <p:sp>
           <p:nvSpPr>
-            <p:cNvPr id="75" name="Google Shape;75;p14"/>
+            <p:cNvPr id="74" name="Google Shape;74;p14"/>
             <p:cNvSpPr txBox="1"/>
             <p:nvPr/>
           </p:nvSpPr>
@@ -5857,7 +5799,7 @@
         </p:sp>
         <p:sp>
           <p:nvSpPr>
-            <p:cNvPr id="76" name="Google Shape;76;p14"/>
+            <p:cNvPr id="75" name="Google Shape;75;p14"/>
             <p:cNvSpPr txBox="1"/>
             <p:nvPr/>
           </p:nvSpPr>
@@ -5908,13 +5850,13 @@
       </p:grpSp>
       <p:sp>
         <p:nvSpPr>
-          <p:cNvPr id="77" name="Google Shape;77;p14"/>
+          <p:cNvPr id="76" name="Google Shape;76;p14"/>
           <p:cNvSpPr/>
           <p:nvPr/>
         </p:nvSpPr>
         <p:spPr>
           <a:xfrm>
-            <a:off x="256600" y="3410500"/>
+            <a:off x="248475" y="2903450"/>
             <a:ext cx="5911200" cy="5832900"/>
           </a:xfrm>
           <a:prstGeom prst="rect">
@@ -5954,13 +5896,13 @@
       </p:sp>
       <p:sp>
         <p:nvSpPr>
-          <p:cNvPr id="78" name="Google Shape;78;p14"/>
+          <p:cNvPr id="77" name="Google Shape;77;p14"/>
           <p:cNvSpPr txBox="1"/>
           <p:nvPr/>
         </p:nvSpPr>
         <p:spPr>
           <a:xfrm>
-            <a:off x="256600" y="3420025"/>
+            <a:off x="248475" y="2912975"/>
             <a:ext cx="5588400" cy="6252300"/>
           </a:xfrm>
           <a:prstGeom prst="rect">
@@ -6275,14 +6217,14 @@
       </p:sp>
       <p:sp>
         <p:nvSpPr>
-          <p:cNvPr id="79" name="Google Shape;79;p14"/>
+          <p:cNvPr id="78" name="Google Shape;78;p14"/>
           <p:cNvSpPr/>
           <p:nvPr/>
         </p:nvSpPr>
         <p:spPr>
           <a:xfrm>
-            <a:off x="256600" y="9309850"/>
-            <a:ext cx="5911200" cy="1529700"/>
+            <a:off x="248475" y="8802800"/>
+            <a:ext cx="5911200" cy="1731300"/>
           </a:xfrm>
           <a:prstGeom prst="rect">
             <a:avLst/>
@@ -6321,13 +6263,13 @@
       </p:sp>
       <p:sp>
         <p:nvSpPr>
-          <p:cNvPr id="80" name="Google Shape;80;p14"/>
+          <p:cNvPr id="79" name="Google Shape;79;p14"/>
           <p:cNvSpPr txBox="1"/>
           <p:nvPr/>
         </p:nvSpPr>
         <p:spPr>
           <a:xfrm>
-            <a:off x="256600" y="9309852"/>
+            <a:off x="248475" y="8802802"/>
             <a:ext cx="5588400" cy="1822500"/>
           </a:xfrm>
           <a:prstGeom prst="rect">
@@ -6411,13 +6353,13 @@
       </p:sp>
       <p:sp>
         <p:nvSpPr>
-          <p:cNvPr id="81" name="Google Shape;81;p14"/>
+          <p:cNvPr id="80" name="Google Shape;80;p14"/>
           <p:cNvSpPr/>
           <p:nvPr/>
         </p:nvSpPr>
         <p:spPr>
           <a:xfrm>
-            <a:off x="13599450" y="3401021"/>
+            <a:off x="13591325" y="2893971"/>
             <a:ext cx="2619300" cy="2496600"/>
           </a:xfrm>
           <a:prstGeom prst="rect">
@@ -6457,13 +6399,13 @@
       </p:sp>
       <p:sp>
         <p:nvSpPr>
-          <p:cNvPr id="82" name="Google Shape;82;p14"/>
+          <p:cNvPr id="81" name="Google Shape;81;p14"/>
           <p:cNvSpPr txBox="1"/>
           <p:nvPr/>
         </p:nvSpPr>
         <p:spPr>
           <a:xfrm>
-            <a:off x="13599450" y="3420000"/>
+            <a:off x="13591325" y="2912950"/>
             <a:ext cx="2619300" cy="2653500"/>
           </a:xfrm>
           <a:prstGeom prst="rect">
@@ -6547,7 +6489,7 @@
       </p:sp>
       <p:pic>
         <p:nvPicPr>
-          <p:cNvPr id="83" name="Google Shape;83;p14" title="Screenshot 2025-12-02 at 5.45.01 PM.png"/>
+          <p:cNvPr id="82" name="Google Shape;82;p14" title="Screenshot 2025-12-02 at 5.45.01 PM.png"/>
           <p:cNvPicPr preferRelativeResize="0"/>
           <p:nvPr/>
         </p:nvPicPr>
@@ -6561,7 +6503,7 @@
         </p:blipFill>
         <p:spPr>
           <a:xfrm>
-            <a:off x="6277325" y="3420025"/>
+            <a:off x="6269200" y="2912975"/>
             <a:ext cx="7192824" cy="4826015"/>
           </a:xfrm>
           <a:prstGeom prst="rect">
@@ -6575,7 +6517,7 @@
       </p:pic>
       <p:pic>
         <p:nvPicPr>
-          <p:cNvPr id="84" name="Google Shape;84;p14" title="Screenshot 2025-12-07 162608.png"/>
+          <p:cNvPr id="83" name="Google Shape;83;p14" title="Screenshot 2025-12-07 162608.png"/>
           <p:cNvPicPr preferRelativeResize="0"/>
           <p:nvPr/>
         </p:nvPicPr>
@@ -6589,8 +6531,8 @@
         </p:blipFill>
         <p:spPr>
           <a:xfrm>
-            <a:off x="6277325" y="8322025"/>
-            <a:ext cx="4496978" cy="2496599"/>
+            <a:off x="6269200" y="7814975"/>
+            <a:ext cx="4915164" cy="2728774"/>
           </a:xfrm>
           <a:prstGeom prst="rect">
             <a:avLst/>
@@ -6603,7 +6545,7 @@
       </p:pic>
       <p:pic>
         <p:nvPicPr>
-          <p:cNvPr id="85" name="Google Shape;85;p14" title="Screenshot 2025-12-07 162254.png"/>
+          <p:cNvPr id="84" name="Google Shape;84;p14" title="Screenshot 2025-12-07 162254.png"/>
           <p:cNvPicPr preferRelativeResize="0"/>
           <p:nvPr/>
         </p:nvPicPr>
@@ -6611,13 +6553,13 @@
           <a:blip r:embed="rId5">
             <a:alphaModFix/>
           </a:blip>
-          <a:srcRect l="22740" r="21943"/>
+          <a:srcRect l="22740" r="24178"/>
           <a:stretch/>
         </p:blipFill>
         <p:spPr>
           <a:xfrm>
-            <a:off x="13713100" y="5954600"/>
-            <a:ext cx="2263112" cy="2291451"/>
+            <a:off x="13591325" y="5457050"/>
+            <a:ext cx="2619300" cy="2291451"/>
           </a:xfrm>
           <a:prstGeom prst="rect">
             <a:avLst/>
@@ -6630,7 +6572,7 @@
       </p:pic>
       <p:pic>
         <p:nvPicPr>
-          <p:cNvPr id="86" name="Google Shape;86;p14" title="Screenshot 2025-12-07 162018.png"/>
+          <p:cNvPr id="85" name="Google Shape;85;p14" title="Screenshot 2025-12-07 162018.png"/>
           <p:cNvPicPr preferRelativeResize="0"/>
           <p:nvPr/>
         </p:nvPicPr>
@@ -6644,8 +6586,36 @@
         </p:blipFill>
         <p:spPr>
           <a:xfrm>
-            <a:off x="11840828" y="8322015"/>
-            <a:ext cx="4377912" cy="2421960"/>
+            <a:off x="11411275" y="7814975"/>
+            <a:ext cx="4915174" cy="2719169"/>
+          </a:xfrm>
+          <a:prstGeom prst="rect">
+            <a:avLst/>
+          </a:prstGeom>
+          <a:noFill/>
+          <a:ln>
+            <a:noFill/>
+          </a:ln>
+        </p:spPr>
+      </p:pic>
+      <p:pic>
+        <p:nvPicPr>
+          <p:cNvPr id="86" name="Google Shape;86;p14" title="adobe-express-qr-code.png"/>
+          <p:cNvPicPr preferRelativeResize="0"/>
+          <p:nvPr/>
+        </p:nvPicPr>
+        <p:blipFill>
+          <a:blip r:embed="rId7">
+            <a:alphaModFix/>
+          </a:blip>
+          <a:stretch>
+            <a:fillRect/>
+          </a:stretch>
+        </p:blipFill>
+        <p:spPr>
+          <a:xfrm>
+            <a:off x="151875" y="136050"/>
+            <a:ext cx="1317250" cy="1317250"/>
           </a:xfrm>
           <a:prstGeom prst="rect">
             <a:avLst/>
